--- a/Scripts/test_manual_shapes_known_good_results.pptx
+++ b/Scripts/test_manual_shapes_known_good_results.pptx
@@ -22,8 +22,8 @@
     <p:sldId id="319" r:id="rId16"/>
     <p:sldId id="320" r:id="rId17"/>
     <p:sldId id="324" r:id="rId18"/>
-    <p:sldId id="321" r:id="rId19"/>
-    <p:sldId id="325" r:id="rId20"/>
+    <p:sldId id="336" r:id="rId19"/>
+    <p:sldId id="337" r:id="rId20"/>
     <p:sldId id="329" r:id="rId21"/>
     <p:sldId id="330" r:id="rId22"/>
   </p:sldIdLst>
@@ -13490,7 +13490,6 @@
             <a:rPr lang="en-GB" sz="1100"/>
             <a:t>10.3%</a:t>
           </a:r>
-          <a:endParaRPr lang="en-GB" sz="1100"/>
         </a:p>
       </cdr:txBody>
     </cdr:sp>
@@ -13529,7 +13528,6 @@
             <a:rPr lang="en-GB" sz="1100"/>
             <a:t>12.5%</a:t>
           </a:r>
-          <a:endParaRPr lang="en-GB" sz="1100"/>
         </a:p>
       </cdr:txBody>
     </cdr:sp>
@@ -13568,7 +13566,6 @@
             <a:rPr lang="en-GB" sz="1100"/>
             <a:t>8.7%</a:t>
           </a:r>
-          <a:endParaRPr lang="en-GB" sz="1100"/>
         </a:p>
       </cdr:txBody>
     </cdr:sp>
@@ -13607,7 +13604,6 @@
             <a:rPr lang="en-GB" sz="1100"/>
             <a:t>29.6%</a:t>
           </a:r>
-          <a:endParaRPr lang="en-GB" sz="1100"/>
         </a:p>
       </cdr:txBody>
     </cdr:sp>
@@ -13646,7 +13642,6 @@
             <a:rPr lang="en-GB" sz="1100"/>
             <a:t>22.2%</a:t>
           </a:r>
-          <a:endParaRPr lang="en-GB" sz="1100"/>
         </a:p>
       </cdr:txBody>
     </cdr:sp>
@@ -13685,7 +13680,6 @@
             <a:rPr lang="en-GB" sz="1100"/>
             <a:t>30.0%</a:t>
           </a:r>
-          <a:endParaRPr lang="en-GB" sz="1100"/>
         </a:p>
       </cdr:txBody>
     </cdr:sp>
@@ -14892,7 +14886,7 @@
           <a:p>
             <a:fld id="{E482DFA6-6B95-4553-B7D7-11376DF2CCB4}" type="datetimeFigureOut">
               <a:rPr lang="en-GB" smtClean="0"/>
-              <a:t>09/08/2016</a:t>
+              <a:t>27/10/2016</a:t>
             </a:fld>
             <a:endParaRPr lang="en-GB"/>
           </a:p>
@@ -15062,7 +15056,7 @@
           <a:p>
             <a:fld id="{E482DFA6-6B95-4553-B7D7-11376DF2CCB4}" type="datetimeFigureOut">
               <a:rPr lang="en-GB" smtClean="0"/>
-              <a:t>09/08/2016</a:t>
+              <a:t>27/10/2016</a:t>
             </a:fld>
             <a:endParaRPr lang="en-GB"/>
           </a:p>
@@ -15242,7 +15236,7 @@
           <a:p>
             <a:fld id="{E482DFA6-6B95-4553-B7D7-11376DF2CCB4}" type="datetimeFigureOut">
               <a:rPr lang="en-GB" smtClean="0"/>
-              <a:t>09/08/2016</a:t>
+              <a:t>27/10/2016</a:t>
             </a:fld>
             <a:endParaRPr lang="en-GB"/>
           </a:p>
@@ -15412,7 +15406,7 @@
           <a:p>
             <a:fld id="{E482DFA6-6B95-4553-B7D7-11376DF2CCB4}" type="datetimeFigureOut">
               <a:rPr lang="en-GB" smtClean="0"/>
-              <a:t>09/08/2016</a:t>
+              <a:t>27/10/2016</a:t>
             </a:fld>
             <a:endParaRPr lang="en-GB"/>
           </a:p>
@@ -15658,7 +15652,7 @@
           <a:p>
             <a:fld id="{E482DFA6-6B95-4553-B7D7-11376DF2CCB4}" type="datetimeFigureOut">
               <a:rPr lang="en-GB" smtClean="0"/>
-              <a:t>09/08/2016</a:t>
+              <a:t>27/10/2016</a:t>
             </a:fld>
             <a:endParaRPr lang="en-GB"/>
           </a:p>
@@ -15890,7 +15884,7 @@
           <a:p>
             <a:fld id="{E482DFA6-6B95-4553-B7D7-11376DF2CCB4}" type="datetimeFigureOut">
               <a:rPr lang="en-GB" smtClean="0"/>
-              <a:t>09/08/2016</a:t>
+              <a:t>27/10/2016</a:t>
             </a:fld>
             <a:endParaRPr lang="en-GB"/>
           </a:p>
@@ -16257,7 +16251,7 @@
           <a:p>
             <a:fld id="{E482DFA6-6B95-4553-B7D7-11376DF2CCB4}" type="datetimeFigureOut">
               <a:rPr lang="en-GB" smtClean="0"/>
-              <a:t>09/08/2016</a:t>
+              <a:t>27/10/2016</a:t>
             </a:fld>
             <a:endParaRPr lang="en-GB"/>
           </a:p>
@@ -16375,7 +16369,7 @@
           <a:p>
             <a:fld id="{E482DFA6-6B95-4553-B7D7-11376DF2CCB4}" type="datetimeFigureOut">
               <a:rPr lang="en-GB" smtClean="0"/>
-              <a:t>09/08/2016</a:t>
+              <a:t>27/10/2016</a:t>
             </a:fld>
             <a:endParaRPr lang="en-GB"/>
           </a:p>
@@ -16470,7 +16464,7 @@
           <a:p>
             <a:fld id="{E482DFA6-6B95-4553-B7D7-11376DF2CCB4}" type="datetimeFigureOut">
               <a:rPr lang="en-GB" smtClean="0"/>
-              <a:t>09/08/2016</a:t>
+              <a:t>27/10/2016</a:t>
             </a:fld>
             <a:endParaRPr lang="en-GB"/>
           </a:p>
@@ -16747,7 +16741,7 @@
           <a:p>
             <a:fld id="{E482DFA6-6B95-4553-B7D7-11376DF2CCB4}" type="datetimeFigureOut">
               <a:rPr lang="en-GB" smtClean="0"/>
-              <a:t>09/08/2016</a:t>
+              <a:t>27/10/2016</a:t>
             </a:fld>
             <a:endParaRPr lang="en-GB"/>
           </a:p>
@@ -17000,7 +16994,7 @@
           <a:p>
             <a:fld id="{E482DFA6-6B95-4553-B7D7-11376DF2CCB4}" type="datetimeFigureOut">
               <a:rPr lang="en-GB" smtClean="0"/>
-              <a:t>09/08/2016</a:t>
+              <a:t>27/10/2016</a:t>
             </a:fld>
             <a:endParaRPr lang="en-GB"/>
           </a:p>
@@ -17213,7 +17207,7 @@
           <a:p>
             <a:fld id="{E482DFA6-6B95-4553-B7D7-11376DF2CCB4}" type="datetimeFigureOut">
               <a:rPr lang="en-GB" smtClean="0"/>
-              <a:t>09/08/2016</a:t>
+              <a:t>27/10/2016</a:t>
             </a:fld>
             <a:endParaRPr lang="en-GB"/>
           </a:p>
@@ -24322,7 +24316,7 @@
         </p:nvSpPr>
         <p:spPr>
           <a:xfrm>
-            <a:off x="1240972" y="3069771"/>
+            <a:off x="1240975" y="3069775"/>
             <a:ext cx="353539" cy="256011"/>
           </a:xfrm>
           <a:prstGeom prst="rect">
@@ -24372,7 +24366,7 @@
         </p:nvSpPr>
         <p:spPr>
           <a:xfrm>
-            <a:off x="6744306" y="3069771"/>
+            <a:off x="6744308" y="3069769"/>
             <a:ext cx="1857143" cy="3609524"/>
           </a:xfrm>
           <a:prstGeom prst="rect">
@@ -24471,7 +24465,7 @@
     </p:spTree>
     <p:extLst>
       <p:ext uri="{BB962C8B-B14F-4D97-AF65-F5344CB8AC3E}">
-        <p14:creationId xmlns:p14="http://schemas.microsoft.com/office/powerpoint/2010/main" val="2570800311"/>
+        <p14:creationId xmlns:p14="http://schemas.microsoft.com/office/powerpoint/2010/main" val="3394702459"/>
       </p:ext>
     </p:extLst>
   </p:cSld>
@@ -24558,8 +24552,8 @@
         </p:nvSpPr>
         <p:spPr>
           <a:xfrm>
-            <a:off x="1117944" y="1722573"/>
-            <a:ext cx="4108812" cy="840005"/>
+            <a:off x="1117943" y="1722573"/>
+            <a:ext cx="4922129" cy="1045794"/>
           </a:xfrm>
           <a:prstGeom prst="rect">
             <a:avLst/>
@@ -24592,9 +24586,8 @@
                   <a:schemeClr val="tx1"/>
                 </a:solidFill>
               </a:rPr>
-              <a:t>set_bg_image_and_size(filepath,Shape)
-Width: 27.8377
-Height: 20.1583</a:t>
+              <a:t>set_bg_image(filepath,Shape) and do not resize
+transformations\utils\images\greenarrow.png</a:t>
             </a:r>
             <a:endParaRPr lang="en-GB" sz="1600" dirty="0">
               <a:solidFill>
@@ -24617,7 +24610,7 @@
         <p:spPr>
           <a:xfrm>
             <a:off x="1240972" y="3069771"/>
-            <a:ext cx="2484361" cy="1795740"/>
+            <a:ext cx="4799101" cy="604608"/>
           </a:xfrm>
           <a:prstGeom prst="rect">
             <a:avLst/>
@@ -24652,7 +24645,7 @@
             <a:pPr algn="ctr"/>
             <a:r>
               <a:rPr lang="en-GB"/>
-              <a:t>All Tables</a:t>
+              <a:t>greenarrow.png</a:t>
             </a:r>
             <a:endParaRPr lang="en-GB" dirty="0"/>
           </a:p>
@@ -24670,8 +24663,8 @@
         </p:nvSpPr>
         <p:spPr>
           <a:xfrm>
-            <a:off x="6621278" y="1722573"/>
-            <a:ext cx="4108812" cy="840005"/>
+            <a:off x="6621277" y="1722573"/>
+            <a:ext cx="5089753" cy="1196796"/>
           </a:xfrm>
           <a:prstGeom prst="rect">
             <a:avLst/>
@@ -24704,9 +24697,8 @@
                   <a:schemeClr val="tx1"/>
                 </a:solidFill>
               </a:rPr>
-              <a:t>set_bg_image_and_size(filepath,Shape)
-Width: 27.8377
-Height: 20.1583</a:t>
+              <a:t>set_bg_picture_center_tile(filepath,Shape) and do not resize
+transformations\utils\images\greenarrow.png</a:t>
             </a:r>
             <a:endParaRPr lang="en-GB" sz="1600" dirty="0">
               <a:solidFill>
@@ -24728,8 +24720,8 @@
         </p:nvSpPr>
         <p:spPr>
           <a:xfrm>
-            <a:off x="6744306" y="3069771"/>
-            <a:ext cx="2484361" cy="1795740"/>
+            <a:off x="6744306" y="3069770"/>
+            <a:ext cx="4773778" cy="2752189"/>
           </a:xfrm>
           <a:prstGeom prst="rect">
             <a:avLst/>
@@ -24737,7 +24729,7 @@
           <a:blipFill dpi="0" rotWithShape="1">
             <a:blip r:embed="rId6"/>
             <a:srcRect/>
-            <a:tile tx="1065411" ty="769865" sx="100000" sy="100000" flip="xy" algn="tl"/>
+            <a:tile tx="2210120" ty="1248089" sx="100000" sy="100000" flip="xy" algn="tl"/>
           </a:blipFill>
         </p:spPr>
         <p:style>
@@ -24763,7 +24755,7 @@
             <a:pPr algn="ctr"/>
             <a:r>
               <a:rPr lang="en-GB"/>
-              <a:t>All Tables</a:t>
+              <a:t>greenarrow.png</a:t>
             </a:r>
             <a:endParaRPr lang="en-GB" dirty="0"/>
           </a:p>
@@ -24772,7 +24764,7 @@
     </p:spTree>
     <p:extLst>
       <p:ext uri="{BB962C8B-B14F-4D97-AF65-F5344CB8AC3E}">
-        <p14:creationId xmlns:p14="http://schemas.microsoft.com/office/powerpoint/2010/main" val="3663856936"/>
+        <p14:creationId xmlns:p14="http://schemas.microsoft.com/office/powerpoint/2010/main" val="340887615"/>
       </p:ext>
     </p:extLst>
   </p:cSld>
@@ -27999,25 +27991,25 @@
 
 <file path=ppt/tags/tag16.xml><?xml version="1.0" encoding="utf-8"?>
 <p:tagLst xmlns:a="http://schemas.openxmlformats.org/drawingml/2006/main" xmlns:r="http://schemas.openxmlformats.org/officeDocument/2006/relationships" xmlns:p="http://schemas.openxmlformats.org/presentationml/2006/main">
-  <p:tag name="HTTP://WWW.FORGETDATA.COM/SLIDES/4" val="&lt;?xml version=&quot;1.0&quot; encoding=&quot;utf-16&quot;?&gt;&lt;ShapeLink xmlns:i=&quot;http://www.w3.org/2001/XMLSchema-instance&quot; xmlns=&quot;http://www.forgetdata.com/Slides&quot;&gt;&lt;FillerProperties i:type=&quot;GenericTableInformationFiller.TableInfoFillerSettings&quot;&gt;&lt;AfterFillAction xmlns:d3p1=&quot;http://www.forgetdata.com/ReportingSuite&quot;&gt;&lt;d3p1:PackagedScript&gt;&lt;d3p1:CreatedBy&gt;ccurson&lt;/d3p1:CreatedBy&gt;&lt;d3p1:LastUpdated&gt;2016-02-16T14:34:29.7334802+00:00&lt;/d3p1:LastUpdated&gt;&lt;d3p1:Script&gt;aW1wb3J0IHRleHRzDQpyZWxvYWQodGV4dHMpDQpfaW1hZ2VfZmlsZV9wYXRoPSJ0cmFuc2Zvcm1hdGlvbnNcXHV0aWxzXFxpbWFnZXNcXGdyZWVuYXJyb3cucG5nIg0KDQpzaXplID0gdGV4dHMuZ2V0X3BwdF9pbWFnZV9zaXplKF9pbWFnZV9maWxlX3BhdGgsIFNoYXBlKQ0KDQpTaGFwZS5UZXh0RnJhbWUuVGV4dFJhbmdlLlRleHQgPSAic2V0X2JnX2ltYWdlX2FuZF9zaXplKGZpbGVwYXRoLFNoYXBlKVxuV2lkdGg6ICIgKyBzdHIoc2l6ZS5XaWR0aCkgKyAiXG5IZWlnaHQ6ICIgKyBzdHIoc2l6ZS5IZWlnaHQpDQoNCg0KDQo=&lt;/d3p1:Script&gt;&lt;/d3p1:PackagedScript&gt;&lt;/AfterFillAction&gt;&lt;TextType&gt;TableDescription&lt;/TextType&gt;&lt;/FillerProperties&gt;&lt;Query xmlns:d2p1=&quot;http://www.forgetdata.com/ReportingSuite&quot;&gt;&lt;d2p1:ColumnCombinationSettings /&gt;&lt;d2p1:Items&gt;&lt;d2p1:DataQueryItem&gt;&lt;d2p1:ColumnSelection&gt;/0[1]&lt;/d2p1:ColumnSelection&gt;&lt;d2p1:ConnectionName&gt;Item0&lt;/d2p1:ConnectionName&gt;&lt;d2p1:DataQueryType&gt;SelectCell&lt;/d2p1:DataQueryType&gt;&lt;d2p1:RowSelection&gt;/0[1]&lt;/d2p1:RowSelection&gt;&lt;d2p1:TableName&gt;Table26&lt;/d2p1:TableName&gt;&lt;/d2p1:DataQueryItem&gt;&lt;/d2p1:Items&gt;&lt;d2p1:RowCombinationSettings /&gt;&lt;/Query&gt;&lt;Version&gt;4.2.0.0&lt;/Version&gt;&lt;/ShapeLink&gt;"/>
+  <p:tag name="HTTP://WWW.FORGETDATA.COM/SLIDES/4" val="&lt;?xml version=&quot;1.0&quot; encoding=&quot;utf-16&quot;?&gt;&lt;ShapeLink xmlns:i=&quot;http://www.w3.org/2001/XMLSchema-instance&quot; xmlns=&quot;http://www.forgetdata.com/Slides&quot;&gt;&lt;FillerProperties i:type=&quot;GenericTableInformationFiller.TableInfoFillerSettings&quot;&gt;&lt;AfterFillAction xmlns:d3p1=&quot;http://www.forgetdata.com/ReportingSuite&quot;&gt;&lt;d3p1:PackagedScript&gt;&lt;d3p1:CreatedBy&gt;ccurson&lt;/d3p1:CreatedBy&gt;&lt;d3p1:LastUpdated&gt;2016-10-27T14:39:08.7162825+01:00&lt;/d3p1:LastUpdated&gt;&lt;d3p1:Script&gt;aW1wb3J0IHRleHRzDQpfaW1hZ2VfZmlsZV9wYXRoPSJ0cmFuc2Zvcm1hdGlvbnNcXHV0aWxzXFxpbWFnZXNcXGdyZWVuYXJyb3cucG5nIg0KDQpzaXplID0gdGV4dHMuX2dldF9wcHRfaW1hZ2Vfc2l6ZShfaW1hZ2VfZmlsZV9wYXRoLCBTaGFwZSkNCg0KU2hhcGUuVGV4dEZyYW1lLlRleHRSYW5nZS5UZXh0ID0gInNldF9iZ19pbWFnZV9hbmRfc2l6ZShmaWxlcGF0aCxTaGFwZSlcbldpZHRoOiAiICsgc3RyKHNpemUuV2lkdGgpICsgIlxuSGVpZ2h0OiAiICsgc3RyKHNpemUuSGVpZ2h0KQ0KDQoNCg0K&lt;/d3p1:Script&gt;&lt;/d3p1:PackagedScript&gt;&lt;/AfterFillAction&gt;&lt;TextType&gt;TableDescription&lt;/TextType&gt;&lt;/FillerProperties&gt;&lt;Query xmlns:d2p1=&quot;http://www.forgetdata.com/ReportingSuite&quot;&gt;&lt;d2p1:ColumnCombinationSettings /&gt;&lt;d2p1:Items&gt;&lt;d2p1:DataQueryItem&gt;&lt;d2p1:ColumnSelection&gt;/0[1]&lt;/d2p1:ColumnSelection&gt;&lt;d2p1:ConnectionName&gt;Item0&lt;/d2p1:ConnectionName&gt;&lt;d2p1:DataQueryType&gt;SelectCell&lt;/d2p1:DataQueryType&gt;&lt;d2p1:RowSelection&gt;/0[1]&lt;/d2p1:RowSelection&gt;&lt;d2p1:TableName&gt;Table26&lt;/d2p1:TableName&gt;&lt;/d2p1:DataQueryItem&gt;&lt;/d2p1:Items&gt;&lt;d2p1:RowCombinationSettings /&gt;&lt;/Query&gt;&lt;Version&gt;4.2.0.0&lt;/Version&gt;&lt;/ShapeLink&gt;"/>
 </p:tagLst>
 </file>
 
 <file path=ppt/tags/tag17.xml><?xml version="1.0" encoding="utf-8"?>
 <p:tagLst xmlns:a="http://schemas.openxmlformats.org/drawingml/2006/main" xmlns:r="http://schemas.openxmlformats.org/officeDocument/2006/relationships" xmlns:p="http://schemas.openxmlformats.org/presentationml/2006/main">
-  <p:tag name="HTTP://WWW.FORGETDATA.COM/SLIDES/4" val="&lt;?xml version=&quot;1.0&quot; encoding=&quot;utf-16&quot;?&gt;&lt;ShapeLink xmlns:i=&quot;http://www.w3.org/2001/XMLSchema-instance&quot; xmlns=&quot;http://www.forgetdata.com/Slides&quot;&gt;&lt;FillerProperties i:type=&quot;GenericTableInformationFiller.TableInfoFillerSettings&quot;&gt;&lt;AfterFillAction xmlns:d3p1=&quot;http://www.forgetdata.com/ReportingSuite&quot;&gt;&lt;d3p1:PackagedScript&gt;&lt;d3p1:CreatedBy&gt;ccurson&lt;/d3p1:CreatedBy&gt;&lt;d3p1:LastUpdated&gt;2016-02-16T14:42:01.2600368+00:00&lt;/d3p1:LastUpdated&gt;&lt;d3p1:Script&gt;aW1wb3J0IHRleHRzDQpfaW1hZ2VfZmlsZV9wYXRoPSJ0cmFuc2Zvcm1hdGlvbnNcXHV0aWxzXFxpbWFnZXNcXGdyZWVuYXJyb3cucG5nIg0KdGV4dHMuc2V0X2JnX2ltYWdlX2FuZF9zaXplKF9pbWFnZV9maWxlX3BhdGgsIFNoYXBlKQ==&lt;/d3p1:Script&gt;&lt;/d3p1:PackagedScript&gt;&lt;/AfterFillAction&gt;&lt;TextType&gt;TableDescription&lt;/TextType&gt;&lt;/FillerProperties&gt;&lt;Query xmlns:d2p1=&quot;http://www.forgetdata.com/ReportingSuite&quot;&gt;&lt;d2p1:ColumnCombinationSettings /&gt;&lt;d2p1:Items&gt;&lt;d2p1:DataQueryItem&gt;&lt;d2p1:ColumnSelection&gt;/0[1]&lt;/d2p1:ColumnSelection&gt;&lt;d2p1:ConnectionName&gt;Item0&lt;/d2p1:ConnectionName&gt;&lt;d2p1:DataQueryType&gt;SelectCell&lt;/d2p1:DataQueryType&gt;&lt;d2p1:RowSelection&gt;/0[1]&lt;/d2p1:RowSelection&gt;&lt;d2p1:TableName&gt;Table26&lt;/d2p1:TableName&gt;&lt;/d2p1:DataQueryItem&gt;&lt;/d2p1:Items&gt;&lt;d2p1:RowCombinationSettings /&gt;&lt;/Query&gt;&lt;Version&gt;4.2.0.0&lt;/Version&gt;&lt;/ShapeLink&gt;"/>
+  <p:tag name="HTTP://WWW.FORGETDATA.COM/SLIDES/4" val="&lt;?xml version=&quot;1.0&quot; encoding=&quot;utf-16&quot;?&gt;&lt;ShapeLink xmlns:i=&quot;http://www.w3.org/2001/XMLSchema-instance&quot; xmlns=&quot;http://www.forgetdata.com/Slides&quot;&gt;&lt;FillerProperties i:type=&quot;GenericTableInformationFiller.TableInfoFillerSettings&quot;&gt;&lt;AfterFillAction xmlns:d3p1=&quot;http://www.forgetdata.com/ReportingSuite&quot;&gt;&lt;d3p1:PackagedScript&gt;&lt;d3p1:CreatedBy&gt;ccurson&lt;/d3p1:CreatedBy&gt;&lt;d3p1:LastUpdated&gt;2016-10-27T14:38:55.4856141+01:00&lt;/d3p1:LastUpdated&gt;&lt;d3p1:Script&gt;aW1wb3J0IHRleHRzDQpfaW1hZ2VfZmlsZV9wYXRoPSJ0cmFuc2Zvcm1hdGlvbnNcXHV0aWxzXFxpbWFnZXNcXGdyZWVuYXJyb3cucG5nIg0KdGV4dHMuc2V0X2JnX2ltYWdlX2FuZF9zaXplKF9pbWFnZV9maWxlX3BhdGgsIFNoYXBlKQ==&lt;/d3p1:Script&gt;&lt;/d3p1:PackagedScript&gt;&lt;/AfterFillAction&gt;&lt;TextType&gt;TableDescription&lt;/TextType&gt;&lt;/FillerProperties&gt;&lt;Query xmlns:d2p1=&quot;http://www.forgetdata.com/ReportingSuite&quot;&gt;&lt;d2p1:ColumnCombinationSettings /&gt;&lt;d2p1:Items&gt;&lt;d2p1:DataQueryItem&gt;&lt;d2p1:ColumnSelection&gt;/0[1]&lt;/d2p1:ColumnSelection&gt;&lt;d2p1:ConnectionName&gt;Item0&lt;/d2p1:ConnectionName&gt;&lt;d2p1:DataQueryType&gt;SelectCell&lt;/d2p1:DataQueryType&gt;&lt;d2p1:RowSelection&gt;/0[1]&lt;/d2p1:RowSelection&gt;&lt;d2p1:TableName&gt;Table26&lt;/d2p1:TableName&gt;&lt;/d2p1:DataQueryItem&gt;&lt;/d2p1:Items&gt;&lt;d2p1:RowCombinationSettings /&gt;&lt;/Query&gt;&lt;Version&gt;4.2.0.0&lt;/Version&gt;&lt;/ShapeLink&gt;"/>
 </p:tagLst>
 </file>
 
 <file path=ppt/tags/tag18.xml><?xml version="1.0" encoding="utf-8"?>
 <p:tagLst xmlns:a="http://schemas.openxmlformats.org/drawingml/2006/main" xmlns:r="http://schemas.openxmlformats.org/officeDocument/2006/relationships" xmlns:p="http://schemas.openxmlformats.org/presentationml/2006/main">
-  <p:tag name="HTTP://WWW.FORGETDATA.COM/SLIDES/4" val="&lt;?xml version=&quot;1.0&quot; encoding=&quot;utf-16&quot;?&gt;&lt;ShapeLink xmlns:i=&quot;http://www.w3.org/2001/XMLSchema-instance&quot; xmlns=&quot;http://www.forgetdata.com/Slides&quot;&gt;&lt;FillerProperties i:type=&quot;GenericTableInformationFiller.TableInfoFillerSettings&quot;&gt;&lt;AfterFillAction xmlns:d3p1=&quot;http://www.forgetdata.com/ReportingSuite&quot;&gt;&lt;d3p1:PackagedScript&gt;&lt;d3p1:CreatedBy&gt;ccurson&lt;/d3p1:CreatedBy&gt;&lt;d3p1:LastUpdated&gt;2016-02-16T14:41:53.847382+00:00&lt;/d3p1:LastUpdated&gt;&lt;d3p1:Script&gt;aW1wb3J0IHRleHRzDQpfaW1hZ2VfZmlsZV9wYXRoPSJ0cmFuc2Zvcm1hdGlvbnNcXHV0aWxzXFxpbWFnZXNcXHRlc3RpbmdzaXplLnBuZyINCnRleHRzLnNldF9iZ19pbWFnZV9hbmRfc2l6ZShfaW1hZ2VfZmlsZV9wYXRoLCBTaGFwZSk=&lt;/d3p1:Script&gt;&lt;/d3p1:PackagedScript&gt;&lt;/AfterFillAction&gt;&lt;TextType&gt;TableDescription&lt;/TextType&gt;&lt;/FillerProperties&gt;&lt;Query xmlns:d2p1=&quot;http://www.forgetdata.com/ReportingSuite&quot;&gt;&lt;d2p1:ColumnCombinationSettings /&gt;&lt;d2p1:Items&gt;&lt;d2p1:DataQueryItem&gt;&lt;d2p1:ColumnSelection&gt;/0[1]&lt;/d2p1:ColumnSelection&gt;&lt;d2p1:ConnectionName&gt;Item0&lt;/d2p1:ConnectionName&gt;&lt;d2p1:DataQueryType&gt;SelectCell&lt;/d2p1:DataQueryType&gt;&lt;d2p1:RowSelection&gt;/0[1]&lt;/d2p1:RowSelection&gt;&lt;d2p1:TableName&gt;Table26&lt;/d2p1:TableName&gt;&lt;/d2p1:DataQueryItem&gt;&lt;/d2p1:Items&gt;&lt;d2p1:RowCombinationSettings /&gt;&lt;/Query&gt;&lt;Version&gt;4.2.0.0&lt;/Version&gt;&lt;/ShapeLink&gt;"/>
+  <p:tag name="HTTP://WWW.FORGETDATA.COM/SLIDES/4" val="&lt;?xml version=&quot;1.0&quot; encoding=&quot;utf-16&quot;?&gt;&lt;ShapeLink xmlns:i=&quot;http://www.w3.org/2001/XMLSchema-instance&quot; xmlns=&quot;http://www.forgetdata.com/Slides&quot;&gt;&lt;FillerProperties i:type=&quot;GenericTableInformationFiller.TableInfoFillerSettings&quot;&gt;&lt;AfterFillAction xmlns:d3p1=&quot;http://www.forgetdata.com/ReportingSuite&quot;&gt;&lt;d3p1:PackagedScript&gt;&lt;d3p1:CreatedBy&gt;ccurson&lt;/d3p1:CreatedBy&gt;&lt;d3p1:LastUpdated&gt;2016-04-06T15:17:47.2297458+01:00&lt;/d3p1:LastUpdated&gt;&lt;d3p1:Script&gt;aW1wb3J0IHRleHRzDQpfaW1hZ2VfZmlsZV9wYXRoPSJ0cmFuc2Zvcm1hdGlvbnNcXHV0aWxzXFxpbWFnZXNcXHRlc3RpbmdzaXplLnBuZyINCnRleHRzLnNldF9iZ19pbWFnZV9hbmRfc2l6ZShfaW1hZ2VfZmlsZV9wYXRoLCBTaGFwZSk=&lt;/d3p1:Script&gt;&lt;/d3p1:PackagedScript&gt;&lt;/AfterFillAction&gt;&lt;TextType&gt;TableDescription&lt;/TextType&gt;&lt;/FillerProperties&gt;&lt;Query xmlns:d2p1=&quot;http://www.forgetdata.com/ReportingSuite&quot;&gt;&lt;d2p1:ColumnCombinationSettings /&gt;&lt;d2p1:Items&gt;&lt;d2p1:DataQueryItem&gt;&lt;d2p1:ColumnSelection&gt;/0[1]&lt;/d2p1:ColumnSelection&gt;&lt;d2p1:ConnectionName&gt;Item0&lt;/d2p1:ConnectionName&gt;&lt;d2p1:DataQueryType&gt;SelectCell&lt;/d2p1:DataQueryType&gt;&lt;d2p1:RowSelection&gt;/0[1]&lt;/d2p1:RowSelection&gt;&lt;d2p1:TableName&gt;Table26&lt;/d2p1:TableName&gt;&lt;/d2p1:DataQueryItem&gt;&lt;/d2p1:Items&gt;&lt;d2p1:RowCombinationSettings /&gt;&lt;/Query&gt;&lt;Version&gt;4.2.0.0&lt;/Version&gt;&lt;/ShapeLink&gt;"/>
 </p:tagLst>
 </file>
 
 <file path=ppt/tags/tag19.xml><?xml version="1.0" encoding="utf-8"?>
 <p:tagLst xmlns:a="http://schemas.openxmlformats.org/drawingml/2006/main" xmlns:r="http://schemas.openxmlformats.org/officeDocument/2006/relationships" xmlns:p="http://schemas.openxmlformats.org/presentationml/2006/main">
-  <p:tag name="HTTP://WWW.FORGETDATA.COM/SLIDES/4" val="&lt;?xml version=&quot;1.0&quot; encoding=&quot;utf-16&quot;?&gt;&lt;ShapeLink xmlns:i=&quot;http://www.w3.org/2001/XMLSchema-instance&quot; xmlns=&quot;http://www.forgetdata.com/Slides&quot;&gt;&lt;FillerProperties i:type=&quot;GenericTableInformationFiller.TableInfoFillerSettings&quot;&gt;&lt;AfterFillAction xmlns:d3p1=&quot;http://www.forgetdata.com/ReportingSuite&quot;&gt;&lt;d3p1:PackagedScript&gt;&lt;d3p1:CreatedBy&gt;ccurson&lt;/d3p1:CreatedBy&gt;&lt;d3p1:LastUpdated&gt;2016-02-16T14:35:17.9653219+00:00&lt;/d3p1:LastUpdated&gt;&lt;d3p1:Script&gt;aW1wb3J0IHRleHRzDQpyZWxvYWQodGV4dHMpDQpfaW1hZ2VfZmlsZV9wYXRoPSJ0cmFuc2Zvcm1hdGlvbnNcXHV0aWxzXFxpbWFnZXNcXHRlc3RpbmdzaXplLnBuZyINCg0Kc2l6ZSA9IHRleHRzLmdldF9wcHRfaW1hZ2Vfc2l6ZShfaW1hZ2VfZmlsZV9wYXRoLCBTaGFwZSkNCg0KU2hhcGUuVGV4dEZyYW1lLlRleHRSYW5nZS5UZXh0ID0gInNldF9iZ19pbWFnZV9hbmRfc2l6ZShmaWxlcGF0aCxTaGFwZSlcbldpZHRoOiAiICsgc3RyKHNpemUuV2lkdGgpICsgIlxuSGVpZ2h0OiAiICsgc3RyKHNpemUuSGVpZ2h0KQ0KDQoNCg0K&lt;/d3p1:Script&gt;&lt;/d3p1:PackagedScript&gt;&lt;/AfterFillAction&gt;&lt;TextType&gt;TableDescription&lt;/TextType&gt;&lt;/FillerProperties&gt;&lt;Query xmlns:d2p1=&quot;http://www.forgetdata.com/ReportingSuite&quot;&gt;&lt;d2p1:ColumnCombinationSettings /&gt;&lt;d2p1:Items&gt;&lt;d2p1:DataQueryItem&gt;&lt;d2p1:ColumnSelection&gt;/0[1]&lt;/d2p1:ColumnSelection&gt;&lt;d2p1:ConnectionName&gt;Item0&lt;/d2p1:ConnectionName&gt;&lt;d2p1:DataQueryType&gt;SelectCell&lt;/d2p1:DataQueryType&gt;&lt;d2p1:RowSelection&gt;/0[1]&lt;/d2p1:RowSelection&gt;&lt;d2p1:TableName&gt;Table26&lt;/d2p1:TableName&gt;&lt;/d2p1:DataQueryItem&gt;&lt;/d2p1:Items&gt;&lt;d2p1:RowCombinationSettings /&gt;&lt;/Query&gt;&lt;Version&gt;4.2.0.0&lt;/Version&gt;&lt;/ShapeLink&gt;"/>
+  <p:tag name="HTTP://WWW.FORGETDATA.COM/SLIDES/4" val="&lt;?xml version=&quot;1.0&quot; encoding=&quot;utf-16&quot;?&gt;&lt;ShapeLink xmlns:i=&quot;http://www.w3.org/2001/XMLSchema-instance&quot; xmlns=&quot;http://www.forgetdata.com/Slides&quot;&gt;&lt;FillerProperties i:type=&quot;GenericTableInformationFiller.TableInfoFillerSettings&quot;&gt;&lt;AfterFillAction xmlns:d3p1=&quot;http://www.forgetdata.com/ReportingSuite&quot;&gt;&lt;d3p1:PackagedScript&gt;&lt;d3p1:CreatedBy&gt;ccurson&lt;/d3p1:CreatedBy&gt;&lt;d3p1:LastUpdated&gt;2016-10-27T14:39:37.5621373+01:00&lt;/d3p1:LastUpdated&gt;&lt;d3p1:Script&gt;aW1wb3J0IHRleHRzDQpfaW1hZ2VfZmlsZV9wYXRoPSJ0cmFuc2Zvcm1hdGlvbnNcXHV0aWxzXFxpbWFnZXNcXHRlc3RpbmdzaXplLnBuZyINCg0Kc2l6ZSA9IHRleHRzLl9nZXRfcHB0X2ltYWdlX3NpemUoX2ltYWdlX2ZpbGVfcGF0aCwgU2hhcGUpDQoNClNoYXBlLlRleHRGcmFtZS5UZXh0UmFuZ2UuVGV4dCA9ICJzZXRfYmdfaW1hZ2VfYW5kX3NpemUoZmlsZXBhdGgsU2hhcGUpXG5XaWR0aDogIiArIHN0cihzaXplLldpZHRoKSArICJcbkhlaWdodDogIiArIHN0cihzaXplLkhlaWdodCkNCg0KDQoNCg==&lt;/d3p1:Script&gt;&lt;/d3p1:PackagedScript&gt;&lt;/AfterFillAction&gt;&lt;TextType&gt;TableDescription&lt;/TextType&gt;&lt;/FillerProperties&gt;&lt;Query xmlns:d2p1=&quot;http://www.forgetdata.com/ReportingSuite&quot;&gt;&lt;d2p1:ColumnCombinationSettings /&gt;&lt;d2p1:Items&gt;&lt;d2p1:DataQueryItem&gt;&lt;d2p1:ColumnSelection&gt;/0[1]&lt;/d2p1:ColumnSelection&gt;&lt;d2p1:ConnectionName&gt;Item0&lt;/d2p1:ConnectionName&gt;&lt;d2p1:DataQueryType&gt;SelectCell&lt;/d2p1:DataQueryType&gt;&lt;d2p1:RowSelection&gt;/0[1]&lt;/d2p1:RowSelection&gt;&lt;d2p1:TableName&gt;Table26&lt;/d2p1:TableName&gt;&lt;/d2p1:DataQueryItem&gt;&lt;/d2p1:Items&gt;&lt;d2p1:RowCombinationSettings /&gt;&lt;/Query&gt;&lt;Version&gt;4.2.0.0&lt;/Version&gt;&lt;/ShapeLink&gt;"/>
 </p:tagLst>
 </file>
 
@@ -28029,25 +28021,25 @@
 
 <file path=ppt/tags/tag20.xml><?xml version="1.0" encoding="utf-8"?>
 <p:tagLst xmlns:a="http://schemas.openxmlformats.org/drawingml/2006/main" xmlns:r="http://schemas.openxmlformats.org/officeDocument/2006/relationships" xmlns:p="http://schemas.openxmlformats.org/presentationml/2006/main">
-  <p:tag name="HTTP://WWW.FORGETDATA.COM/SLIDES/4" val="&lt;?xml version=&quot;1.0&quot; encoding=&quot;utf-16&quot;?&gt;&lt;ShapeLink xmlns:i=&quot;http://www.w3.org/2001/XMLSchema-instance&quot; xmlns=&quot;http://www.forgetdata.com/Slides&quot;&gt;&lt;FillerProperties i:type=&quot;GenericTableInformationFiller.TableInfoFillerSettings&quot;&gt;&lt;AfterFillAction xmlns:d3p1=&quot;http://www.forgetdata.com/ReportingSuite&quot;&gt;&lt;d3p1:PackagedScript&gt;&lt;d3p1:CreatedBy&gt;ccurson&lt;/d3p1:CreatedBy&gt;&lt;d3p1:LastUpdated&gt;2016-02-16T14:34:29.7334802+00:00&lt;/d3p1:LastUpdated&gt;&lt;d3p1:Script&gt;aW1wb3J0IHRleHRzDQpyZWxvYWQodGV4dHMpDQpfaW1hZ2VfZmlsZV9wYXRoPSJ0cmFuc2Zvcm1hdGlvbnNcXHV0aWxzXFxpbWFnZXNcXGdyZWVuYXJyb3cucG5nIg0KDQpzaXplID0gdGV4dHMuZ2V0X3BwdF9pbWFnZV9zaXplKF9pbWFnZV9maWxlX3BhdGgsIFNoYXBlKQ0KDQpTaGFwZS5UZXh0RnJhbWUuVGV4dFJhbmdlLlRleHQgPSAic2V0X2JnX2ltYWdlX2FuZF9zaXplKGZpbGVwYXRoLFNoYXBlKVxuV2lkdGg6ICIgKyBzdHIoc2l6ZS5XaWR0aCkgKyAiXG5IZWlnaHQ6ICIgKyBzdHIoc2l6ZS5IZWlnaHQpDQoNCg0KDQo=&lt;/d3p1:Script&gt;&lt;/d3p1:PackagedScript&gt;&lt;/AfterFillAction&gt;&lt;TextType&gt;TableDescription&lt;/TextType&gt;&lt;/FillerProperties&gt;&lt;Query xmlns:d2p1=&quot;http://www.forgetdata.com/ReportingSuite&quot;&gt;&lt;d2p1:ColumnCombinationSettings /&gt;&lt;d2p1:Items&gt;&lt;d2p1:DataQueryItem&gt;&lt;d2p1:ColumnSelection&gt;/0[1]&lt;/d2p1:ColumnSelection&gt;&lt;d2p1:ConnectionName&gt;Item0&lt;/d2p1:ConnectionName&gt;&lt;d2p1:DataQueryType&gt;SelectCell&lt;/d2p1:DataQueryType&gt;&lt;d2p1:RowSelection&gt;/0[1]&lt;/d2p1:RowSelection&gt;&lt;d2p1:TableName&gt;Table26&lt;/d2p1:TableName&gt;&lt;/d2p1:DataQueryItem&gt;&lt;/d2p1:Items&gt;&lt;d2p1:RowCombinationSettings /&gt;&lt;/Query&gt;&lt;Version&gt;4.2.0.0&lt;/Version&gt;&lt;/ShapeLink&gt;"/>
+  <p:tag name="HTTP://WWW.FORGETDATA.COM/SLIDES/4" val="&lt;?xml version=&quot;1.0&quot; encoding=&quot;utf-16&quot;?&gt;&lt;ShapeLink xmlns:i=&quot;http://www.w3.org/2001/XMLSchema-instance&quot; xmlns=&quot;http://www.forgetdata.com/Slides&quot;&gt;&lt;FillerProperties i:type=&quot;GenericTableInformationFiller.TableInfoFillerSettings&quot;&gt;&lt;AfterFillAction xmlns:d3p1=&quot;http://www.forgetdata.com/ReportingSuite&quot;&gt;&lt;d3p1:PackagedScript&gt;&lt;d3p1:CreatedBy&gt;ccurson&lt;/d3p1:CreatedBy&gt;&lt;d3p1:LastUpdated&gt;2016-10-27T14:47:24.3860073+01:00&lt;/d3p1:LastUpdated&gt;&lt;d3p1:Script&gt;aW1wb3J0IHRleHRzDQoNCl9pbWFnZV9maWxlX3BhdGg9InRyYW5zZm9ybWF0aW9uc1xcdXRpbHNcXGltYWdlc1xcZ3JlZW5hcnJvdy5wbmciDQoNCnNpemUgPSB0ZXh0cy5fZ2V0X3BwdF9pbWFnZV9zaXplKF9pbWFnZV9maWxlX3BhdGgsIFNoYXBlKQ0KDQpTaGFwZS5UZXh0RnJhbWUuVGV4dFJhbmdlLlRleHQgPSAic2V0X2JnX2ltYWdlKGZpbGVwYXRoLFNoYXBlKSBhbmQgZG8gbm90IHJlc2l6ZVxuIiArIF9pbWFnZV9maWxlX3BhdGgNCg0KDQoNCg==&lt;/d3p1:Script&gt;&lt;/d3p1:PackagedScript&gt;&lt;/AfterFillAction&gt;&lt;TextType&gt;TableDescription&lt;/TextType&gt;&lt;/FillerProperties&gt;&lt;Query xmlns:d2p1=&quot;http://www.forgetdata.com/ReportingSuite&quot;&gt;&lt;d2p1:ColumnCombinationSettings /&gt;&lt;d2p1:Items&gt;&lt;d2p1:DataQueryItem&gt;&lt;d2p1:ColumnSelection&gt;/0[1]&lt;/d2p1:ColumnSelection&gt;&lt;d2p1:ConnectionName&gt;Item0&lt;/d2p1:ConnectionName&gt;&lt;d2p1:DataQueryType&gt;SelectCell&lt;/d2p1:DataQueryType&gt;&lt;d2p1:RowSelection&gt;/0[1]&lt;/d2p1:RowSelection&gt;&lt;d2p1:TableName&gt;Table26&lt;/d2p1:TableName&gt;&lt;/d2p1:DataQueryItem&gt;&lt;/d2p1:Items&gt;&lt;d2p1:RowCombinationSettings /&gt;&lt;/Query&gt;&lt;Version&gt;4.2.0.0&lt;/Version&gt;&lt;/ShapeLink&gt;"/>
 </p:tagLst>
 </file>
 
 <file path=ppt/tags/tag21.xml><?xml version="1.0" encoding="utf-8"?>
 <p:tagLst xmlns:a="http://schemas.openxmlformats.org/drawingml/2006/main" xmlns:r="http://schemas.openxmlformats.org/officeDocument/2006/relationships" xmlns:p="http://schemas.openxmlformats.org/presentationml/2006/main">
-  <p:tag name="HTTP://WWW.FORGETDATA.COM/SLIDES/4" val="&lt;?xml version=&quot;1.0&quot; encoding=&quot;utf-16&quot;?&gt;&lt;ShapeLink xmlns:i=&quot;http://www.w3.org/2001/XMLSchema-instance&quot; xmlns=&quot;http://www.forgetdata.com/Slides&quot;&gt;&lt;FillerProperties i:type=&quot;GenericTableInformationFiller.TableInfoFillerSettings&quot;&gt;&lt;AfterFillAction xmlns:d3p1=&quot;http://www.forgetdata.com/ReportingSuite&quot;&gt;&lt;d3p1:PackagedScript&gt;&lt;d3p1:CreatedBy&gt;ccurson&lt;/d3p1:CreatedBy&gt;&lt;d3p1:LastUpdated&gt;2016-02-16T14:41:44.8625471+00:00&lt;/d3p1:LastUpdated&gt;&lt;d3p1:Script&gt;aW1wb3J0IHRleHRzDQpfaW1hZ2VfZmlsZV9wYXRoPSJ0cmFuc2Zvcm1hdGlvbnNcXHV0aWxzXFxpbWFnZXNcXGdyZWVuYXJyb3cucG5nIg0KdGV4dHMuc2V0X2JnX2ltYWdlKF9pbWFnZV9maWxlX3BhdGgsIFNoYXBlKQ==&lt;/d3p1:Script&gt;&lt;/d3p1:PackagedScript&gt;&lt;/AfterFillAction&gt;&lt;TextType&gt;TableDescription&lt;/TextType&gt;&lt;/FillerProperties&gt;&lt;Query xmlns:d2p1=&quot;http://www.forgetdata.com/ReportingSuite&quot;&gt;&lt;d2p1:ColumnCombinationSettings /&gt;&lt;d2p1:Items&gt;&lt;d2p1:DataQueryItem&gt;&lt;d2p1:ColumnSelection&gt;/0[1]&lt;/d2p1:ColumnSelection&gt;&lt;d2p1:ConnectionName&gt;Item0&lt;/d2p1:ConnectionName&gt;&lt;d2p1:DataQueryType&gt;SelectCell&lt;/d2p1:DataQueryType&gt;&lt;d2p1:RowSelection&gt;/0[1]&lt;/d2p1:RowSelection&gt;&lt;d2p1:TableName&gt;Table26&lt;/d2p1:TableName&gt;&lt;/d2p1:DataQueryItem&gt;&lt;/d2p1:Items&gt;&lt;d2p1:RowCombinationSettings /&gt;&lt;/Query&gt;&lt;Version&gt;4.2.0.0&lt;/Version&gt;&lt;/ShapeLink&gt;"/>
+  <p:tag name="HTTP://WWW.FORGETDATA.COM/SLIDES/4" val="&lt;?xml version=&quot;1.0&quot; encoding=&quot;utf-16&quot;?&gt;&lt;ShapeLink xmlns:i=&quot;http://www.w3.org/2001/XMLSchema-instance&quot; xmlns=&quot;http://www.forgetdata.com/Slides&quot;&gt;&lt;FillerProperties i:type=&quot;GenericTableInformationFiller.TableInfoFillerSettings&quot;&gt;&lt;AfterFillAction xmlns:d3p1=&quot;http://www.forgetdata.com/ReportingSuite&quot;&gt;&lt;d3p1:PackagedScript&gt;&lt;d3p1:CreatedBy&gt;ccurson&lt;/d3p1:CreatedBy&gt;&lt;d3p1:LastUpdated&gt;2016-10-27T14:44:55.1385794+01:00&lt;/d3p1:LastUpdated&gt;&lt;d3p1:Script&gt;aW1wb3J0IHRleHRzDQpfaW1hZ2VfZmlsZV9wYXRoPSJ0cmFuc2Zvcm1hdGlvbnNcXHV0aWxzXFxpbWFnZXNcXGdyZWVuYXJyb3cucG5nIg0KdGV4dHMuc2V0X2JnX2ltYWdlKF9pbWFnZV9maWxlX3BhdGgsIFNoYXBlKQ==&lt;/d3p1:Script&gt;&lt;/d3p1:PackagedScript&gt;&lt;/AfterFillAction&gt;&lt;TextType&gt;TableDescription&lt;/TextType&gt;&lt;/FillerProperties&gt;&lt;Query xmlns:d2p1=&quot;http://www.forgetdata.com/ReportingSuite&quot;&gt;&lt;d2p1:ColumnCombinationSettings /&gt;&lt;d2p1:Items&gt;&lt;d2p1:DataQueryItem&gt;&lt;d2p1:ColumnSelection&gt;/0[1]&lt;/d2p1:ColumnSelection&gt;&lt;d2p1:ConnectionName&gt;Item0&lt;/d2p1:ConnectionName&gt;&lt;d2p1:DataQueryType&gt;SelectCell&lt;/d2p1:DataQueryType&gt;&lt;d2p1:RowSelection&gt;/0[1]&lt;/d2p1:RowSelection&gt;&lt;d2p1:TableName&gt;Table26&lt;/d2p1:TableName&gt;&lt;/d2p1:DataQueryItem&gt;&lt;/d2p1:Items&gt;&lt;d2p1:RowCombinationSettings /&gt;&lt;d2p1:Transformation&gt;&lt;d2p1:PackagedScript&gt;&lt;d2p1:CreatedBy&gt;ccurson&lt;/d2p1:CreatedBy&gt;&lt;d2p1:LastUpdated&gt;2016-10-27T14:44:55.0534381+01:00&lt;/d2p1:LastUpdated&gt;&lt;d2p1:Script&gt;TWF0cml4LkxhYmVsID0gImdyZWVuYXJyb3cucG5nIg==&lt;/d2p1:Script&gt;&lt;/d2p1:PackagedScript&gt;&lt;/d2p1:Transformation&gt;&lt;/Query&gt;&lt;Version&gt;4.2.0.0&lt;/Version&gt;&lt;/ShapeLink&gt;"/>
 </p:tagLst>
 </file>
 
 <file path=ppt/tags/tag22.xml><?xml version="1.0" encoding="utf-8"?>
 <p:tagLst xmlns:a="http://schemas.openxmlformats.org/drawingml/2006/main" xmlns:r="http://schemas.openxmlformats.org/officeDocument/2006/relationships" xmlns:p="http://schemas.openxmlformats.org/presentationml/2006/main">
-  <p:tag name="HTTP://WWW.FORGETDATA.COM/SLIDES/4" val="&lt;?xml version=&quot;1.0&quot; encoding=&quot;utf-16&quot;?&gt;&lt;ShapeLink xmlns:i=&quot;http://www.w3.org/2001/XMLSchema-instance&quot; xmlns=&quot;http://www.forgetdata.com/Slides&quot;&gt;&lt;FillerProperties i:type=&quot;GenericTableInformationFiller.TableInfoFillerSettings&quot;&gt;&lt;AfterFillAction xmlns:d3p1=&quot;http://www.forgetdata.com/ReportingSuite&quot;&gt;&lt;d3p1:PackagedScript&gt;&lt;d3p1:CreatedBy&gt;ccurson&lt;/d3p1:CreatedBy&gt;&lt;d3p1:LastUpdated&gt;2016-02-16T14:34:29.7334802+00:00&lt;/d3p1:LastUpdated&gt;&lt;d3p1:Script&gt;aW1wb3J0IHRleHRzDQpyZWxvYWQodGV4dHMpDQpfaW1hZ2VfZmlsZV9wYXRoPSJ0cmFuc2Zvcm1hdGlvbnNcXHV0aWxzXFxpbWFnZXNcXGdyZWVuYXJyb3cucG5nIg0KDQpzaXplID0gdGV4dHMuZ2V0X3BwdF9pbWFnZV9zaXplKF9pbWFnZV9maWxlX3BhdGgsIFNoYXBlKQ0KDQpTaGFwZS5UZXh0RnJhbWUuVGV4dFJhbmdlLlRleHQgPSAic2V0X2JnX2ltYWdlX2FuZF9zaXplKGZpbGVwYXRoLFNoYXBlKVxuV2lkdGg6ICIgKyBzdHIoc2l6ZS5XaWR0aCkgKyAiXG5IZWlnaHQ6ICIgKyBzdHIoc2l6ZS5IZWlnaHQpDQoNCg0KDQo=&lt;/d3p1:Script&gt;&lt;/d3p1:PackagedScript&gt;&lt;/AfterFillAction&gt;&lt;TextType&gt;TableDescription&lt;/TextType&gt;&lt;/FillerProperties&gt;&lt;Query xmlns:d2p1=&quot;http://www.forgetdata.com/ReportingSuite&quot;&gt;&lt;d2p1:ColumnCombinationSettings /&gt;&lt;d2p1:Items&gt;&lt;d2p1:DataQueryItem&gt;&lt;d2p1:ColumnSelection&gt;/0[1]&lt;/d2p1:ColumnSelection&gt;&lt;d2p1:ConnectionName&gt;Item0&lt;/d2p1:ConnectionName&gt;&lt;d2p1:DataQueryType&gt;SelectCell&lt;/d2p1:DataQueryType&gt;&lt;d2p1:RowSelection&gt;/0[1]&lt;/d2p1:RowSelection&gt;&lt;d2p1:TableName&gt;Table26&lt;/d2p1:TableName&gt;&lt;/d2p1:DataQueryItem&gt;&lt;/d2p1:Items&gt;&lt;d2p1:RowCombinationSettings /&gt;&lt;/Query&gt;&lt;Version&gt;4.2.0.0&lt;/Version&gt;&lt;/ShapeLink&gt;"/>
+  <p:tag name="HTTP://WWW.FORGETDATA.COM/SLIDES/4" val="&lt;?xml version=&quot;1.0&quot; encoding=&quot;utf-16&quot;?&gt;&lt;ShapeLink xmlns:i=&quot;http://www.w3.org/2001/XMLSchema-instance&quot; xmlns=&quot;http://www.forgetdata.com/Slides&quot;&gt;&lt;FillerProperties i:type=&quot;GenericTableInformationFiller.TableInfoFillerSettings&quot;&gt;&lt;AfterFillAction xmlns:d3p1=&quot;http://www.forgetdata.com/ReportingSuite&quot;&gt;&lt;d3p1:PackagedScript&gt;&lt;d3p1:CreatedBy&gt;ccurson&lt;/d3p1:CreatedBy&gt;&lt;d3p1:LastUpdated&gt;2016-10-27T14:47:49.7840066+01:00&lt;/d3p1:LastUpdated&gt;&lt;d3p1:Script&gt;aW1wb3J0IHRleHRzDQoNCl9pbWFnZV9maWxlX3BhdGg9InRyYW5zZm9ybWF0aW9uc1xcdXRpbHNcXGltYWdlc1xcZ3JlZW5hcnJvdy5wbmciDQoNCnNpemUgPSB0ZXh0cy5fZ2V0X3BwdF9pbWFnZV9zaXplKF9pbWFnZV9maWxlX3BhdGgsIFNoYXBlKQ0KDQpTaGFwZS5UZXh0RnJhbWUuVGV4dFJhbmdlLlRleHQgPSAic2V0X2JnX3BpY3R1cmVfY2VudGVyX3RpbGUoZmlsZXBhdGgsU2hhcGUpIGFuZCBkbyBub3QgcmVzaXplXG4iICsgX2ltYWdlX2ZpbGVfcGF0aA0KDQoNCg==&lt;/d3p1:Script&gt;&lt;/d3p1:PackagedScript&gt;&lt;/AfterFillAction&gt;&lt;TextType&gt;TableDescription&lt;/TextType&gt;&lt;/FillerProperties&gt;&lt;Query xmlns:d2p1=&quot;http://www.forgetdata.com/ReportingSuite&quot;&gt;&lt;d2p1:ColumnCombinationSettings /&gt;&lt;d2p1:Items&gt;&lt;d2p1:DataQueryItem&gt;&lt;d2p1:ColumnSelection&gt;/0[1]&lt;/d2p1:ColumnSelection&gt;&lt;d2p1:ConnectionName&gt;Item0&lt;/d2p1:ConnectionName&gt;&lt;d2p1:DataQueryType&gt;SelectCell&lt;/d2p1:DataQueryType&gt;&lt;d2p1:RowSelection&gt;/0[1]&lt;/d2p1:RowSelection&gt;&lt;d2p1:TableName&gt;Table26&lt;/d2p1:TableName&gt;&lt;/d2p1:DataQueryItem&gt;&lt;/d2p1:Items&gt;&lt;d2p1:RowCombinationSettings /&gt;&lt;/Query&gt;&lt;Version&gt;4.2.0.0&lt;/Version&gt;&lt;/ShapeLink&gt;"/>
 </p:tagLst>
 </file>
 
 <file path=ppt/tags/tag23.xml><?xml version="1.0" encoding="utf-8"?>
 <p:tagLst xmlns:a="http://schemas.openxmlformats.org/drawingml/2006/main" xmlns:r="http://schemas.openxmlformats.org/officeDocument/2006/relationships" xmlns:p="http://schemas.openxmlformats.org/presentationml/2006/main">
-  <p:tag name="HTTP://WWW.FORGETDATA.COM/SLIDES/4" val="&lt;?xml version=&quot;1.0&quot; encoding=&quot;utf-16&quot;?&gt;&lt;ShapeLink xmlns:i=&quot;http://www.w3.org/2001/XMLSchema-instance&quot; xmlns=&quot;http://www.forgetdata.com/Slides&quot;&gt;&lt;FillerProperties i:type=&quot;GenericTableInformationFiller.TableInfoFillerSettings&quot;&gt;&lt;AfterFillAction xmlns:d3p1=&quot;http://www.forgetdata.com/ReportingSuite&quot;&gt;&lt;d3p1:PackagedScript&gt;&lt;d3p1:CreatedBy&gt;ccurson&lt;/d3p1:CreatedBy&gt;&lt;d3p1:LastUpdated&gt;2016-02-16T14:41:37.6535405+00:00&lt;/d3p1:LastUpdated&gt;&lt;d3p1:Script&gt;aW1wb3J0IHRleHRzDQpfaW1hZ2VfZmlsZV9wYXRoPSJ0cmFuc2Zvcm1hdGlvbnNcXHV0aWxzXFxpbWFnZXNcXGdyZWVuYXJyb3cucG5nIg0KdGV4dHMuc2V0X2JnX3BpY3R1cmVfY2VudGVyX3RpbGUoX2ltYWdlX2ZpbGVfcGF0aCwgU2hhcGUp&lt;/d3p1:Script&gt;&lt;/d3p1:PackagedScript&gt;&lt;/AfterFillAction&gt;&lt;TextType&gt;TableDescription&lt;/TextType&gt;&lt;/FillerProperties&gt;&lt;Query xmlns:d2p1=&quot;http://www.forgetdata.com/ReportingSuite&quot;&gt;&lt;d2p1:ColumnCombinationSettings /&gt;&lt;d2p1:Items&gt;&lt;d2p1:DataQueryItem&gt;&lt;d2p1:ColumnSelection&gt;/0[1]&lt;/d2p1:ColumnSelection&gt;&lt;d2p1:ConnectionName&gt;Item0&lt;/d2p1:ConnectionName&gt;&lt;d2p1:DataQueryType&gt;SelectCell&lt;/d2p1:DataQueryType&gt;&lt;d2p1:RowSelection&gt;/0[1]&lt;/d2p1:RowSelection&gt;&lt;d2p1:TableName&gt;Table26&lt;/d2p1:TableName&gt;&lt;/d2p1:DataQueryItem&gt;&lt;/d2p1:Items&gt;&lt;d2p1:RowCombinationSettings /&gt;&lt;/Query&gt;&lt;Version&gt;4.2.0.0&lt;/Version&gt;&lt;/ShapeLink&gt;"/>
+  <p:tag name="HTTP://WWW.FORGETDATA.COM/SLIDES/4" val="&lt;?xml version=&quot;1.0&quot; encoding=&quot;utf-16&quot;?&gt;&lt;ShapeLink xmlns:i=&quot;http://www.w3.org/2001/XMLSchema-instance&quot; xmlns=&quot;http://www.forgetdata.com/Slides&quot;&gt;&lt;FillerProperties i:type=&quot;GenericTableInformationFiller.TableInfoFillerSettings&quot;&gt;&lt;AfterFillAction xmlns:d3p1=&quot;http://www.forgetdata.com/ReportingSuite&quot;&gt;&lt;d3p1:PackagedScript&gt;&lt;d3p1:CreatedBy&gt;ccurson&lt;/d3p1:CreatedBy&gt;&lt;d3p1:LastUpdated&gt;2016-10-27T14:45:07.8280964+01:00&lt;/d3p1:LastUpdated&gt;&lt;d3p1:Script&gt;aW1wb3J0IHRleHRzDQpfaW1hZ2VfZmlsZV9wYXRoPSJ0cmFuc2Zvcm1hdGlvbnNcXHV0aWxzXFxpbWFnZXNcXGdyZWVuYXJyb3cucG5nIg0KdGV4dHMuc2V0X2JnX3BpY3R1cmVfY2VudGVyX3RpbGUoX2ltYWdlX2ZpbGVfcGF0aCwgU2hhcGUp&lt;/d3p1:Script&gt;&lt;/d3p1:PackagedScript&gt;&lt;/AfterFillAction&gt;&lt;TextType&gt;TableDescription&lt;/TextType&gt;&lt;/FillerProperties&gt;&lt;Query xmlns:d2p1=&quot;http://www.forgetdata.com/ReportingSuite&quot;&gt;&lt;d2p1:ColumnCombinationSettings /&gt;&lt;d2p1:Items&gt;&lt;d2p1:DataQueryItem&gt;&lt;d2p1:ColumnSelection&gt;/0[1]&lt;/d2p1:ColumnSelection&gt;&lt;d2p1:ConnectionName&gt;Item0&lt;/d2p1:ConnectionName&gt;&lt;d2p1:DataQueryType&gt;SelectCell&lt;/d2p1:DataQueryType&gt;&lt;d2p1:RowSelection&gt;/0[1]&lt;/d2p1:RowSelection&gt;&lt;d2p1:TableName&gt;Table26&lt;/d2p1:TableName&gt;&lt;/d2p1:DataQueryItem&gt;&lt;/d2p1:Items&gt;&lt;d2p1:RowCombinationSettings /&gt;&lt;d2p1:Transformation&gt;&lt;d2p1:PackagedScript&gt;&lt;d2p1:CreatedBy&gt;ccurson&lt;/d2p1:CreatedBy&gt;&lt;d2p1:LastUpdated&gt;2016-10-27T14:45:07.7415945+01:00&lt;/d2p1:LastUpdated&gt;&lt;d2p1:Script&gt;TWF0cml4LkxhYmVsID0gImdyZWVuYXJyb3cucG5nIg==&lt;/d2p1:Script&gt;&lt;/d2p1:PackagedScript&gt;&lt;/d2p1:Transformation&gt;&lt;/Query&gt;&lt;Version&gt;4.2.0.0&lt;/Version&gt;&lt;/ShapeLink&gt;"/>
 </p:tagLst>
 </file>
 
